--- a/ppt 16-9/0502.没有栅栏的天空.pptx
+++ b/ppt 16-9/0502.没有栅栏的天空.pptx
@@ -5,7 +5,7 @@
     <p:sldMasterId id="2147483648" r:id="rId1"/>
   </p:sldMasterIdLst>
   <p:sldIdLst>
-    <p:sldId id="3016" r:id="rId2"/>
+    <p:sldId id="3017" r:id="rId2"/>
   </p:sldIdLst>
   <p:sldSz cx="12192000" cy="6858000"/>
   <p:notesSz cx="6858000" cy="9144000"/>
@@ -129,7 +129,7 @@
           <p:cNvPr id="2" name="标题 1">
             <a:extLst>
               <a:ext uri="{FF2B5EF4-FFF2-40B4-BE49-F238E27FC236}">
-                <a16:creationId xmlns:a16="http://schemas.microsoft.com/office/drawing/2014/main" id="{C774D6A4-2F66-088C-F41A-16B382AFC622}"/>
+                <a16:creationId xmlns:a16="http://schemas.microsoft.com/office/drawing/2014/main" id="{B9D7409A-5547-67F7-19D6-0C80DDCF759F}"/>
               </a:ext>
             </a:extLst>
           </p:cNvPr>
@@ -166,7 +166,7 @@
           <p:cNvPr id="3" name="副标题 2">
             <a:extLst>
               <a:ext uri="{FF2B5EF4-FFF2-40B4-BE49-F238E27FC236}">
-                <a16:creationId xmlns:a16="http://schemas.microsoft.com/office/drawing/2014/main" id="{689E4351-BA5D-D19E-5B0A-10F2E196EFB0}"/>
+                <a16:creationId xmlns:a16="http://schemas.microsoft.com/office/drawing/2014/main" id="{11DAE1CB-51F4-6FDF-7620-F8C17564EACF}"/>
               </a:ext>
             </a:extLst>
           </p:cNvPr>
@@ -236,7 +236,7 @@
           <p:cNvPr id="4" name="日期占位符 3">
             <a:extLst>
               <a:ext uri="{FF2B5EF4-FFF2-40B4-BE49-F238E27FC236}">
-                <a16:creationId xmlns:a16="http://schemas.microsoft.com/office/drawing/2014/main" id="{B2D5E745-192E-6661-5E58-42B5C4B2EA17}"/>
+                <a16:creationId xmlns:a16="http://schemas.microsoft.com/office/drawing/2014/main" id="{4A581CC2-DA52-8264-4849-B7BC91758323}"/>
               </a:ext>
             </a:extLst>
           </p:cNvPr>
@@ -252,7 +252,7 @@
           <a:bodyPr/>
           <a:lstStyle/>
           <a:p>
-            <a:fld id="{409AEA90-E72A-4DFD-9F60-EED84E1B0367}" type="datetimeFigureOut">
+            <a:fld id="{E056DE6D-DC2F-4561-B7A0-740481BE3D00}" type="datetimeFigureOut">
               <a:rPr lang="zh-CN" altLang="en-US" smtClean="0"/>
               <a:t>2024/3/10</a:t>
             </a:fld>
@@ -265,7 +265,7 @@
           <p:cNvPr id="5" name="页脚占位符 4">
             <a:extLst>
               <a:ext uri="{FF2B5EF4-FFF2-40B4-BE49-F238E27FC236}">
-                <a16:creationId xmlns:a16="http://schemas.microsoft.com/office/drawing/2014/main" id="{D2A7F7EE-0371-5251-88B3-3612F333D3AB}"/>
+                <a16:creationId xmlns:a16="http://schemas.microsoft.com/office/drawing/2014/main" id="{7A6C0E24-5E4E-579B-EC9A-2C4C1CE72488}"/>
               </a:ext>
             </a:extLst>
           </p:cNvPr>
@@ -290,7 +290,7 @@
           <p:cNvPr id="6" name="灯片编号占位符 5">
             <a:extLst>
               <a:ext uri="{FF2B5EF4-FFF2-40B4-BE49-F238E27FC236}">
-                <a16:creationId xmlns:a16="http://schemas.microsoft.com/office/drawing/2014/main" id="{0AA37A95-2CD2-F971-2753-20F1C44EE6EE}"/>
+                <a16:creationId xmlns:a16="http://schemas.microsoft.com/office/drawing/2014/main" id="{98B4471C-DE58-01FB-C759-BA10F6C863FB}"/>
               </a:ext>
             </a:extLst>
           </p:cNvPr>
@@ -306,7 +306,7 @@
           <a:bodyPr/>
           <a:lstStyle/>
           <a:p>
-            <a:fld id="{AC2017D4-320F-4A12-A4BB-32973D0E1B24}" type="slidenum">
+            <a:fld id="{AEC1C452-F02D-416A-8B42-4B04E984064F}" type="slidenum">
               <a:rPr lang="zh-CN" altLang="en-US" smtClean="0"/>
               <a:t>‹#›</a:t>
             </a:fld>
@@ -317,7 +317,7 @@
     </p:spTree>
     <p:extLst>
       <p:ext uri="{BB962C8B-B14F-4D97-AF65-F5344CB8AC3E}">
-        <p14:creationId xmlns:p14="http://schemas.microsoft.com/office/powerpoint/2010/main" val="1933850453"/>
+        <p14:creationId xmlns:p14="http://schemas.microsoft.com/office/powerpoint/2010/main" val="4009749730"/>
       </p:ext>
     </p:extLst>
   </p:cSld>
@@ -349,7 +349,7 @@
           <p:cNvPr id="2" name="标题 1">
             <a:extLst>
               <a:ext uri="{FF2B5EF4-FFF2-40B4-BE49-F238E27FC236}">
-                <a16:creationId xmlns:a16="http://schemas.microsoft.com/office/drawing/2014/main" id="{76763ACC-B15A-777A-FC87-50F01EB08674}"/>
+                <a16:creationId xmlns:a16="http://schemas.microsoft.com/office/drawing/2014/main" id="{43C30962-9CF5-6F17-2D95-A3AC942F5A2F}"/>
               </a:ext>
             </a:extLst>
           </p:cNvPr>
@@ -377,7 +377,7 @@
           <p:cNvPr id="3" name="竖排文字占位符 2">
             <a:extLst>
               <a:ext uri="{FF2B5EF4-FFF2-40B4-BE49-F238E27FC236}">
-                <a16:creationId xmlns:a16="http://schemas.microsoft.com/office/drawing/2014/main" id="{C61F5245-FC2E-5962-76BE-CA2132E97016}"/>
+                <a16:creationId xmlns:a16="http://schemas.microsoft.com/office/drawing/2014/main" id="{35682EBA-D12F-1BB3-FB6C-B24AB17624CF}"/>
               </a:ext>
             </a:extLst>
           </p:cNvPr>
@@ -434,7 +434,7 @@
           <p:cNvPr id="4" name="日期占位符 3">
             <a:extLst>
               <a:ext uri="{FF2B5EF4-FFF2-40B4-BE49-F238E27FC236}">
-                <a16:creationId xmlns:a16="http://schemas.microsoft.com/office/drawing/2014/main" id="{E7786664-2055-4173-F9D2-7FBF49DDFDA2}"/>
+                <a16:creationId xmlns:a16="http://schemas.microsoft.com/office/drawing/2014/main" id="{1EC91B45-A2AA-1A85-1130-5DD2DB13B7DD}"/>
               </a:ext>
             </a:extLst>
           </p:cNvPr>
@@ -450,7 +450,7 @@
           <a:bodyPr/>
           <a:lstStyle/>
           <a:p>
-            <a:fld id="{409AEA90-E72A-4DFD-9F60-EED84E1B0367}" type="datetimeFigureOut">
+            <a:fld id="{E056DE6D-DC2F-4561-B7A0-740481BE3D00}" type="datetimeFigureOut">
               <a:rPr lang="zh-CN" altLang="en-US" smtClean="0"/>
               <a:t>2024/3/10</a:t>
             </a:fld>
@@ -463,7 +463,7 @@
           <p:cNvPr id="5" name="页脚占位符 4">
             <a:extLst>
               <a:ext uri="{FF2B5EF4-FFF2-40B4-BE49-F238E27FC236}">
-                <a16:creationId xmlns:a16="http://schemas.microsoft.com/office/drawing/2014/main" id="{C8B8DD4D-E971-A23C-A380-DB5B50CBC394}"/>
+                <a16:creationId xmlns:a16="http://schemas.microsoft.com/office/drawing/2014/main" id="{300A6062-C5BD-C0C5-8F6B-9AF5414E6D0D}"/>
               </a:ext>
             </a:extLst>
           </p:cNvPr>
@@ -488,7 +488,7 @@
           <p:cNvPr id="6" name="灯片编号占位符 5">
             <a:extLst>
               <a:ext uri="{FF2B5EF4-FFF2-40B4-BE49-F238E27FC236}">
-                <a16:creationId xmlns:a16="http://schemas.microsoft.com/office/drawing/2014/main" id="{273B5AFA-56B5-91DB-2190-01CECFCCA405}"/>
+                <a16:creationId xmlns:a16="http://schemas.microsoft.com/office/drawing/2014/main" id="{244AA776-8CA3-BFB4-6284-65AD0695130A}"/>
               </a:ext>
             </a:extLst>
           </p:cNvPr>
@@ -504,7 +504,7 @@
           <a:bodyPr/>
           <a:lstStyle/>
           <a:p>
-            <a:fld id="{AC2017D4-320F-4A12-A4BB-32973D0E1B24}" type="slidenum">
+            <a:fld id="{AEC1C452-F02D-416A-8B42-4B04E984064F}" type="slidenum">
               <a:rPr lang="zh-CN" altLang="en-US" smtClean="0"/>
               <a:t>‹#›</a:t>
             </a:fld>
@@ -515,7 +515,7 @@
     </p:spTree>
     <p:extLst>
       <p:ext uri="{BB962C8B-B14F-4D97-AF65-F5344CB8AC3E}">
-        <p14:creationId xmlns:p14="http://schemas.microsoft.com/office/powerpoint/2010/main" val="1522434018"/>
+        <p14:creationId xmlns:p14="http://schemas.microsoft.com/office/powerpoint/2010/main" val="412953837"/>
       </p:ext>
     </p:extLst>
   </p:cSld>
@@ -547,7 +547,7 @@
           <p:cNvPr id="2" name="竖排标题 1">
             <a:extLst>
               <a:ext uri="{FF2B5EF4-FFF2-40B4-BE49-F238E27FC236}">
-                <a16:creationId xmlns:a16="http://schemas.microsoft.com/office/drawing/2014/main" id="{2080B0B1-F27C-4177-8277-E9546B99B00A}"/>
+                <a16:creationId xmlns:a16="http://schemas.microsoft.com/office/drawing/2014/main" id="{9DACF388-5FFA-6202-FBB3-37C1FC7E3781}"/>
               </a:ext>
             </a:extLst>
           </p:cNvPr>
@@ -580,7 +580,7 @@
           <p:cNvPr id="3" name="竖排文字占位符 2">
             <a:extLst>
               <a:ext uri="{FF2B5EF4-FFF2-40B4-BE49-F238E27FC236}">
-                <a16:creationId xmlns:a16="http://schemas.microsoft.com/office/drawing/2014/main" id="{E2DCA868-4646-C772-2BE0-5745BB4AE268}"/>
+                <a16:creationId xmlns:a16="http://schemas.microsoft.com/office/drawing/2014/main" id="{8A14F62D-BAC1-9762-B61F-2F2111D79D43}"/>
               </a:ext>
             </a:extLst>
           </p:cNvPr>
@@ -642,7 +642,7 @@
           <p:cNvPr id="4" name="日期占位符 3">
             <a:extLst>
               <a:ext uri="{FF2B5EF4-FFF2-40B4-BE49-F238E27FC236}">
-                <a16:creationId xmlns:a16="http://schemas.microsoft.com/office/drawing/2014/main" id="{DFFFC86C-95EF-D72E-F7E3-6F72769B9FB0}"/>
+                <a16:creationId xmlns:a16="http://schemas.microsoft.com/office/drawing/2014/main" id="{D1B80B6A-C3B1-2C93-FD97-D23BAC211EAF}"/>
               </a:ext>
             </a:extLst>
           </p:cNvPr>
@@ -658,7 +658,7 @@
           <a:bodyPr/>
           <a:lstStyle/>
           <a:p>
-            <a:fld id="{409AEA90-E72A-4DFD-9F60-EED84E1B0367}" type="datetimeFigureOut">
+            <a:fld id="{E056DE6D-DC2F-4561-B7A0-740481BE3D00}" type="datetimeFigureOut">
               <a:rPr lang="zh-CN" altLang="en-US" smtClean="0"/>
               <a:t>2024/3/10</a:t>
             </a:fld>
@@ -671,7 +671,7 @@
           <p:cNvPr id="5" name="页脚占位符 4">
             <a:extLst>
               <a:ext uri="{FF2B5EF4-FFF2-40B4-BE49-F238E27FC236}">
-                <a16:creationId xmlns:a16="http://schemas.microsoft.com/office/drawing/2014/main" id="{4E6595DF-D6AA-125D-42F2-4B4938F46185}"/>
+                <a16:creationId xmlns:a16="http://schemas.microsoft.com/office/drawing/2014/main" id="{23C2D421-9926-0513-6ED4-5CE67EED1281}"/>
               </a:ext>
             </a:extLst>
           </p:cNvPr>
@@ -696,7 +696,7 @@
           <p:cNvPr id="6" name="灯片编号占位符 5">
             <a:extLst>
               <a:ext uri="{FF2B5EF4-FFF2-40B4-BE49-F238E27FC236}">
-                <a16:creationId xmlns:a16="http://schemas.microsoft.com/office/drawing/2014/main" id="{8533F902-93B6-1DF2-A2F5-446F2949453A}"/>
+                <a16:creationId xmlns:a16="http://schemas.microsoft.com/office/drawing/2014/main" id="{6C127F01-FF09-4705-62A3-FDD9B77E2150}"/>
               </a:ext>
             </a:extLst>
           </p:cNvPr>
@@ -712,7 +712,7 @@
           <a:bodyPr/>
           <a:lstStyle/>
           <a:p>
-            <a:fld id="{AC2017D4-320F-4A12-A4BB-32973D0E1B24}" type="slidenum">
+            <a:fld id="{AEC1C452-F02D-416A-8B42-4B04E984064F}" type="slidenum">
               <a:rPr lang="zh-CN" altLang="en-US" smtClean="0"/>
               <a:t>‹#›</a:t>
             </a:fld>
@@ -723,7 +723,7 @@
     </p:spTree>
     <p:extLst>
       <p:ext uri="{BB962C8B-B14F-4D97-AF65-F5344CB8AC3E}">
-        <p14:creationId xmlns:p14="http://schemas.microsoft.com/office/powerpoint/2010/main" val="2160189849"/>
+        <p14:creationId xmlns:p14="http://schemas.microsoft.com/office/powerpoint/2010/main" val="3929424521"/>
       </p:ext>
     </p:extLst>
   </p:cSld>
@@ -755,7 +755,7 @@
           <p:cNvPr id="2" name="标题 1">
             <a:extLst>
               <a:ext uri="{FF2B5EF4-FFF2-40B4-BE49-F238E27FC236}">
-                <a16:creationId xmlns:a16="http://schemas.microsoft.com/office/drawing/2014/main" id="{628C5DA5-8253-504F-BD91-2E216027BA19}"/>
+                <a16:creationId xmlns:a16="http://schemas.microsoft.com/office/drawing/2014/main" id="{0B58F0D4-7E05-3D64-1006-F1D05B527F28}"/>
               </a:ext>
             </a:extLst>
           </p:cNvPr>
@@ -783,7 +783,7 @@
           <p:cNvPr id="3" name="内容占位符 2">
             <a:extLst>
               <a:ext uri="{FF2B5EF4-FFF2-40B4-BE49-F238E27FC236}">
-                <a16:creationId xmlns:a16="http://schemas.microsoft.com/office/drawing/2014/main" id="{6524283E-0EB4-B1FF-1D44-6D78E5A4357F}"/>
+                <a16:creationId xmlns:a16="http://schemas.microsoft.com/office/drawing/2014/main" id="{CEB2510F-BCD4-E182-EC42-25561F97E382}"/>
               </a:ext>
             </a:extLst>
           </p:cNvPr>
@@ -840,7 +840,7 @@
           <p:cNvPr id="4" name="日期占位符 3">
             <a:extLst>
               <a:ext uri="{FF2B5EF4-FFF2-40B4-BE49-F238E27FC236}">
-                <a16:creationId xmlns:a16="http://schemas.microsoft.com/office/drawing/2014/main" id="{F95606BC-9475-772B-7CD2-D9D16C21C488}"/>
+                <a16:creationId xmlns:a16="http://schemas.microsoft.com/office/drawing/2014/main" id="{F374F910-24F2-26D6-0DB1-F248BA47135F}"/>
               </a:ext>
             </a:extLst>
           </p:cNvPr>
@@ -856,7 +856,7 @@
           <a:bodyPr/>
           <a:lstStyle/>
           <a:p>
-            <a:fld id="{409AEA90-E72A-4DFD-9F60-EED84E1B0367}" type="datetimeFigureOut">
+            <a:fld id="{E056DE6D-DC2F-4561-B7A0-740481BE3D00}" type="datetimeFigureOut">
               <a:rPr lang="zh-CN" altLang="en-US" smtClean="0"/>
               <a:t>2024/3/10</a:t>
             </a:fld>
@@ -869,7 +869,7 @@
           <p:cNvPr id="5" name="页脚占位符 4">
             <a:extLst>
               <a:ext uri="{FF2B5EF4-FFF2-40B4-BE49-F238E27FC236}">
-                <a16:creationId xmlns:a16="http://schemas.microsoft.com/office/drawing/2014/main" id="{529FE9F8-C9B7-9E2B-7515-3A927AC502DE}"/>
+                <a16:creationId xmlns:a16="http://schemas.microsoft.com/office/drawing/2014/main" id="{91E60156-6BDE-DF5C-548F-B3B348445704}"/>
               </a:ext>
             </a:extLst>
           </p:cNvPr>
@@ -894,7 +894,7 @@
           <p:cNvPr id="6" name="灯片编号占位符 5">
             <a:extLst>
               <a:ext uri="{FF2B5EF4-FFF2-40B4-BE49-F238E27FC236}">
-                <a16:creationId xmlns:a16="http://schemas.microsoft.com/office/drawing/2014/main" id="{BEA807C7-25D5-7054-F4C8-BEFDA14CCA79}"/>
+                <a16:creationId xmlns:a16="http://schemas.microsoft.com/office/drawing/2014/main" id="{FF1C0C58-7419-1832-B698-C3EF887C3837}"/>
               </a:ext>
             </a:extLst>
           </p:cNvPr>
@@ -910,7 +910,7 @@
           <a:bodyPr/>
           <a:lstStyle/>
           <a:p>
-            <a:fld id="{AC2017D4-320F-4A12-A4BB-32973D0E1B24}" type="slidenum">
+            <a:fld id="{AEC1C452-F02D-416A-8B42-4B04E984064F}" type="slidenum">
               <a:rPr lang="zh-CN" altLang="en-US" smtClean="0"/>
               <a:t>‹#›</a:t>
             </a:fld>
@@ -921,7 +921,7 @@
     </p:spTree>
     <p:extLst>
       <p:ext uri="{BB962C8B-B14F-4D97-AF65-F5344CB8AC3E}">
-        <p14:creationId xmlns:p14="http://schemas.microsoft.com/office/powerpoint/2010/main" val="463880151"/>
+        <p14:creationId xmlns:p14="http://schemas.microsoft.com/office/powerpoint/2010/main" val="1622172748"/>
       </p:ext>
     </p:extLst>
   </p:cSld>
@@ -953,7 +953,7 @@
           <p:cNvPr id="2" name="标题 1">
             <a:extLst>
               <a:ext uri="{FF2B5EF4-FFF2-40B4-BE49-F238E27FC236}">
-                <a16:creationId xmlns:a16="http://schemas.microsoft.com/office/drawing/2014/main" id="{A3D58408-863A-7660-0EEC-74890DEBD3AA}"/>
+                <a16:creationId xmlns:a16="http://schemas.microsoft.com/office/drawing/2014/main" id="{159AB77D-E6CD-A752-118F-15C0D759080A}"/>
               </a:ext>
             </a:extLst>
           </p:cNvPr>
@@ -990,7 +990,7 @@
           <p:cNvPr id="3" name="文本占位符 2">
             <a:extLst>
               <a:ext uri="{FF2B5EF4-FFF2-40B4-BE49-F238E27FC236}">
-                <a16:creationId xmlns:a16="http://schemas.microsoft.com/office/drawing/2014/main" id="{CDA88C3C-DD4B-FE44-72D8-D9C1CFEEEFDF}"/>
+                <a16:creationId xmlns:a16="http://schemas.microsoft.com/office/drawing/2014/main" id="{0CE96CCC-E2CC-ECCF-3A4F-7DB5FD3D9298}"/>
               </a:ext>
             </a:extLst>
           </p:cNvPr>
@@ -1115,7 +1115,7 @@
           <p:cNvPr id="4" name="日期占位符 3">
             <a:extLst>
               <a:ext uri="{FF2B5EF4-FFF2-40B4-BE49-F238E27FC236}">
-                <a16:creationId xmlns:a16="http://schemas.microsoft.com/office/drawing/2014/main" id="{55199116-0CEB-316B-4225-5853436FBE35}"/>
+                <a16:creationId xmlns:a16="http://schemas.microsoft.com/office/drawing/2014/main" id="{B1AEF98C-57E3-5C86-55D1-D20F1567F446}"/>
               </a:ext>
             </a:extLst>
           </p:cNvPr>
@@ -1131,7 +1131,7 @@
           <a:bodyPr/>
           <a:lstStyle/>
           <a:p>
-            <a:fld id="{409AEA90-E72A-4DFD-9F60-EED84E1B0367}" type="datetimeFigureOut">
+            <a:fld id="{E056DE6D-DC2F-4561-B7A0-740481BE3D00}" type="datetimeFigureOut">
               <a:rPr lang="zh-CN" altLang="en-US" smtClean="0"/>
               <a:t>2024/3/10</a:t>
             </a:fld>
@@ -1144,7 +1144,7 @@
           <p:cNvPr id="5" name="页脚占位符 4">
             <a:extLst>
               <a:ext uri="{FF2B5EF4-FFF2-40B4-BE49-F238E27FC236}">
-                <a16:creationId xmlns:a16="http://schemas.microsoft.com/office/drawing/2014/main" id="{A97903C7-272B-7A1E-5495-82B08DA28DE9}"/>
+                <a16:creationId xmlns:a16="http://schemas.microsoft.com/office/drawing/2014/main" id="{04F1B19C-71CD-4B5B-6AE3-8F5F463A9148}"/>
               </a:ext>
             </a:extLst>
           </p:cNvPr>
@@ -1169,7 +1169,7 @@
           <p:cNvPr id="6" name="灯片编号占位符 5">
             <a:extLst>
               <a:ext uri="{FF2B5EF4-FFF2-40B4-BE49-F238E27FC236}">
-                <a16:creationId xmlns:a16="http://schemas.microsoft.com/office/drawing/2014/main" id="{DC5BE16B-72D9-9BEC-3E1D-7BA52A779B5B}"/>
+                <a16:creationId xmlns:a16="http://schemas.microsoft.com/office/drawing/2014/main" id="{DC58E349-BFE2-5ED3-0C1C-EED94CCC1845}"/>
               </a:ext>
             </a:extLst>
           </p:cNvPr>
@@ -1185,7 +1185,7 @@
           <a:bodyPr/>
           <a:lstStyle/>
           <a:p>
-            <a:fld id="{AC2017D4-320F-4A12-A4BB-32973D0E1B24}" type="slidenum">
+            <a:fld id="{AEC1C452-F02D-416A-8B42-4B04E984064F}" type="slidenum">
               <a:rPr lang="zh-CN" altLang="en-US" smtClean="0"/>
               <a:t>‹#›</a:t>
             </a:fld>
@@ -1196,7 +1196,7 @@
     </p:spTree>
     <p:extLst>
       <p:ext uri="{BB962C8B-B14F-4D97-AF65-F5344CB8AC3E}">
-        <p14:creationId xmlns:p14="http://schemas.microsoft.com/office/powerpoint/2010/main" val="2266676407"/>
+        <p14:creationId xmlns:p14="http://schemas.microsoft.com/office/powerpoint/2010/main" val="1922360429"/>
       </p:ext>
     </p:extLst>
   </p:cSld>
@@ -1228,7 +1228,7 @@
           <p:cNvPr id="2" name="标题 1">
             <a:extLst>
               <a:ext uri="{FF2B5EF4-FFF2-40B4-BE49-F238E27FC236}">
-                <a16:creationId xmlns:a16="http://schemas.microsoft.com/office/drawing/2014/main" id="{91F88D8D-D05D-1F6B-2F53-0E1AF8691C43}"/>
+                <a16:creationId xmlns:a16="http://schemas.microsoft.com/office/drawing/2014/main" id="{1FC71B0B-DD4C-30C8-E717-0F668BFC4987}"/>
               </a:ext>
             </a:extLst>
           </p:cNvPr>
@@ -1256,7 +1256,7 @@
           <p:cNvPr id="3" name="内容占位符 2">
             <a:extLst>
               <a:ext uri="{FF2B5EF4-FFF2-40B4-BE49-F238E27FC236}">
-                <a16:creationId xmlns:a16="http://schemas.microsoft.com/office/drawing/2014/main" id="{87DB6331-75C9-6BF8-F5B1-9FB4886CAA2C}"/>
+                <a16:creationId xmlns:a16="http://schemas.microsoft.com/office/drawing/2014/main" id="{78732FF1-129B-D0AC-931B-A9DF25D09195}"/>
               </a:ext>
             </a:extLst>
           </p:cNvPr>
@@ -1318,7 +1318,7 @@
           <p:cNvPr id="4" name="内容占位符 3">
             <a:extLst>
               <a:ext uri="{FF2B5EF4-FFF2-40B4-BE49-F238E27FC236}">
-                <a16:creationId xmlns:a16="http://schemas.microsoft.com/office/drawing/2014/main" id="{870114C0-84E8-1F7F-6913-FF21E54D89B4}"/>
+                <a16:creationId xmlns:a16="http://schemas.microsoft.com/office/drawing/2014/main" id="{74072054-0EC7-3129-81D6-C6CAF1332C6F}"/>
               </a:ext>
             </a:extLst>
           </p:cNvPr>
@@ -1380,7 +1380,7 @@
           <p:cNvPr id="5" name="日期占位符 4">
             <a:extLst>
               <a:ext uri="{FF2B5EF4-FFF2-40B4-BE49-F238E27FC236}">
-                <a16:creationId xmlns:a16="http://schemas.microsoft.com/office/drawing/2014/main" id="{4194CB34-B2DD-FB27-FB76-65758663A4BC}"/>
+                <a16:creationId xmlns:a16="http://schemas.microsoft.com/office/drawing/2014/main" id="{EE8EDC39-FFBB-83D3-2BB5-9299545CFA3A}"/>
               </a:ext>
             </a:extLst>
           </p:cNvPr>
@@ -1396,7 +1396,7 @@
           <a:bodyPr/>
           <a:lstStyle/>
           <a:p>
-            <a:fld id="{409AEA90-E72A-4DFD-9F60-EED84E1B0367}" type="datetimeFigureOut">
+            <a:fld id="{E056DE6D-DC2F-4561-B7A0-740481BE3D00}" type="datetimeFigureOut">
               <a:rPr lang="zh-CN" altLang="en-US" smtClean="0"/>
               <a:t>2024/3/10</a:t>
             </a:fld>
@@ -1409,7 +1409,7 @@
           <p:cNvPr id="6" name="页脚占位符 5">
             <a:extLst>
               <a:ext uri="{FF2B5EF4-FFF2-40B4-BE49-F238E27FC236}">
-                <a16:creationId xmlns:a16="http://schemas.microsoft.com/office/drawing/2014/main" id="{267DF001-3F50-A1C6-2035-2B1DC0C881A8}"/>
+                <a16:creationId xmlns:a16="http://schemas.microsoft.com/office/drawing/2014/main" id="{E8EF4409-61BC-1D22-433A-019FEB3A0F88}"/>
               </a:ext>
             </a:extLst>
           </p:cNvPr>
@@ -1434,7 +1434,7 @@
           <p:cNvPr id="7" name="灯片编号占位符 6">
             <a:extLst>
               <a:ext uri="{FF2B5EF4-FFF2-40B4-BE49-F238E27FC236}">
-                <a16:creationId xmlns:a16="http://schemas.microsoft.com/office/drawing/2014/main" id="{41B8C435-4FEE-956C-B5AF-90B4F267C534}"/>
+                <a16:creationId xmlns:a16="http://schemas.microsoft.com/office/drawing/2014/main" id="{83139D3B-92D9-9D7B-C737-1296484DA575}"/>
               </a:ext>
             </a:extLst>
           </p:cNvPr>
@@ -1450,7 +1450,7 @@
           <a:bodyPr/>
           <a:lstStyle/>
           <a:p>
-            <a:fld id="{AC2017D4-320F-4A12-A4BB-32973D0E1B24}" type="slidenum">
+            <a:fld id="{AEC1C452-F02D-416A-8B42-4B04E984064F}" type="slidenum">
               <a:rPr lang="zh-CN" altLang="en-US" smtClean="0"/>
               <a:t>‹#›</a:t>
             </a:fld>
@@ -1461,7 +1461,7 @@
     </p:spTree>
     <p:extLst>
       <p:ext uri="{BB962C8B-B14F-4D97-AF65-F5344CB8AC3E}">
-        <p14:creationId xmlns:p14="http://schemas.microsoft.com/office/powerpoint/2010/main" val="1525485124"/>
+        <p14:creationId xmlns:p14="http://schemas.microsoft.com/office/powerpoint/2010/main" val="2222661581"/>
       </p:ext>
     </p:extLst>
   </p:cSld>
@@ -1493,7 +1493,7 @@
           <p:cNvPr id="2" name="标题 1">
             <a:extLst>
               <a:ext uri="{FF2B5EF4-FFF2-40B4-BE49-F238E27FC236}">
-                <a16:creationId xmlns:a16="http://schemas.microsoft.com/office/drawing/2014/main" id="{593516F9-4ADA-2FF4-81D3-14C0AE12FBEF}"/>
+                <a16:creationId xmlns:a16="http://schemas.microsoft.com/office/drawing/2014/main" id="{C3DCA594-486E-AA8D-34DC-040D4C1C30F7}"/>
               </a:ext>
             </a:extLst>
           </p:cNvPr>
@@ -1526,7 +1526,7 @@
           <p:cNvPr id="3" name="文本占位符 2">
             <a:extLst>
               <a:ext uri="{FF2B5EF4-FFF2-40B4-BE49-F238E27FC236}">
-                <a16:creationId xmlns:a16="http://schemas.microsoft.com/office/drawing/2014/main" id="{3874A886-A1BB-A1B6-2A81-BF3BB11A4E8E}"/>
+                <a16:creationId xmlns:a16="http://schemas.microsoft.com/office/drawing/2014/main" id="{0A14D970-D92A-C920-0617-3FF866A6DA1B}"/>
               </a:ext>
             </a:extLst>
           </p:cNvPr>
@@ -1597,7 +1597,7 @@
           <p:cNvPr id="4" name="内容占位符 3">
             <a:extLst>
               <a:ext uri="{FF2B5EF4-FFF2-40B4-BE49-F238E27FC236}">
-                <a16:creationId xmlns:a16="http://schemas.microsoft.com/office/drawing/2014/main" id="{DCD8BB66-AABD-FB2E-46CB-844AD40A597E}"/>
+                <a16:creationId xmlns:a16="http://schemas.microsoft.com/office/drawing/2014/main" id="{3F519A0F-4654-528F-2F71-E6A5BC321060}"/>
               </a:ext>
             </a:extLst>
           </p:cNvPr>
@@ -1659,7 +1659,7 @@
           <p:cNvPr id="5" name="文本占位符 4">
             <a:extLst>
               <a:ext uri="{FF2B5EF4-FFF2-40B4-BE49-F238E27FC236}">
-                <a16:creationId xmlns:a16="http://schemas.microsoft.com/office/drawing/2014/main" id="{6C675396-DF23-31F7-2342-ABAB5C19DF41}"/>
+                <a16:creationId xmlns:a16="http://schemas.microsoft.com/office/drawing/2014/main" id="{5DCEEBD2-31B2-C76D-5A72-CAE2689F59FC}"/>
               </a:ext>
             </a:extLst>
           </p:cNvPr>
@@ -1730,7 +1730,7 @@
           <p:cNvPr id="6" name="内容占位符 5">
             <a:extLst>
               <a:ext uri="{FF2B5EF4-FFF2-40B4-BE49-F238E27FC236}">
-                <a16:creationId xmlns:a16="http://schemas.microsoft.com/office/drawing/2014/main" id="{CFE15A50-38BF-65C9-E624-0823325CD357}"/>
+                <a16:creationId xmlns:a16="http://schemas.microsoft.com/office/drawing/2014/main" id="{DB84C844-8BE5-9705-0D50-DD60732DBFFA}"/>
               </a:ext>
             </a:extLst>
           </p:cNvPr>
@@ -1792,7 +1792,7 @@
           <p:cNvPr id="7" name="日期占位符 6">
             <a:extLst>
               <a:ext uri="{FF2B5EF4-FFF2-40B4-BE49-F238E27FC236}">
-                <a16:creationId xmlns:a16="http://schemas.microsoft.com/office/drawing/2014/main" id="{4EBE1021-DB47-1203-261D-73DC78D46E76}"/>
+                <a16:creationId xmlns:a16="http://schemas.microsoft.com/office/drawing/2014/main" id="{F6FC8D15-9750-C1E4-014E-243F8BB4F11F}"/>
               </a:ext>
             </a:extLst>
           </p:cNvPr>
@@ -1808,7 +1808,7 @@
           <a:bodyPr/>
           <a:lstStyle/>
           <a:p>
-            <a:fld id="{409AEA90-E72A-4DFD-9F60-EED84E1B0367}" type="datetimeFigureOut">
+            <a:fld id="{E056DE6D-DC2F-4561-B7A0-740481BE3D00}" type="datetimeFigureOut">
               <a:rPr lang="zh-CN" altLang="en-US" smtClean="0"/>
               <a:t>2024/3/10</a:t>
             </a:fld>
@@ -1821,7 +1821,7 @@
           <p:cNvPr id="8" name="页脚占位符 7">
             <a:extLst>
               <a:ext uri="{FF2B5EF4-FFF2-40B4-BE49-F238E27FC236}">
-                <a16:creationId xmlns:a16="http://schemas.microsoft.com/office/drawing/2014/main" id="{325BEA7A-479F-88D3-B2FE-B666234F451D}"/>
+                <a16:creationId xmlns:a16="http://schemas.microsoft.com/office/drawing/2014/main" id="{840A97C6-06A8-FBBB-9C5C-CCCE9DEAFE3E}"/>
               </a:ext>
             </a:extLst>
           </p:cNvPr>
@@ -1846,7 +1846,7 @@
           <p:cNvPr id="9" name="灯片编号占位符 8">
             <a:extLst>
               <a:ext uri="{FF2B5EF4-FFF2-40B4-BE49-F238E27FC236}">
-                <a16:creationId xmlns:a16="http://schemas.microsoft.com/office/drawing/2014/main" id="{BDE23568-18AD-8998-B5F8-4DC846932630}"/>
+                <a16:creationId xmlns:a16="http://schemas.microsoft.com/office/drawing/2014/main" id="{83EE1C16-E3E2-7590-307D-A4792E32AEA4}"/>
               </a:ext>
             </a:extLst>
           </p:cNvPr>
@@ -1862,7 +1862,7 @@
           <a:bodyPr/>
           <a:lstStyle/>
           <a:p>
-            <a:fld id="{AC2017D4-320F-4A12-A4BB-32973D0E1B24}" type="slidenum">
+            <a:fld id="{AEC1C452-F02D-416A-8B42-4B04E984064F}" type="slidenum">
               <a:rPr lang="zh-CN" altLang="en-US" smtClean="0"/>
               <a:t>‹#›</a:t>
             </a:fld>
@@ -1873,7 +1873,7 @@
     </p:spTree>
     <p:extLst>
       <p:ext uri="{BB962C8B-B14F-4D97-AF65-F5344CB8AC3E}">
-        <p14:creationId xmlns:p14="http://schemas.microsoft.com/office/powerpoint/2010/main" val="4222522184"/>
+        <p14:creationId xmlns:p14="http://schemas.microsoft.com/office/powerpoint/2010/main" val="63797436"/>
       </p:ext>
     </p:extLst>
   </p:cSld>
@@ -1905,7 +1905,7 @@
           <p:cNvPr id="2" name="标题 1">
             <a:extLst>
               <a:ext uri="{FF2B5EF4-FFF2-40B4-BE49-F238E27FC236}">
-                <a16:creationId xmlns:a16="http://schemas.microsoft.com/office/drawing/2014/main" id="{3122C1F3-C2F4-1C38-4663-7A9CD30C861E}"/>
+                <a16:creationId xmlns:a16="http://schemas.microsoft.com/office/drawing/2014/main" id="{FA6E39AB-639D-1E1A-AFFD-DF9EB78DD9FE}"/>
               </a:ext>
             </a:extLst>
           </p:cNvPr>
@@ -1933,7 +1933,7 @@
           <p:cNvPr id="3" name="日期占位符 2">
             <a:extLst>
               <a:ext uri="{FF2B5EF4-FFF2-40B4-BE49-F238E27FC236}">
-                <a16:creationId xmlns:a16="http://schemas.microsoft.com/office/drawing/2014/main" id="{4338FC32-868C-AEF7-B43D-DDFAB602673C}"/>
+                <a16:creationId xmlns:a16="http://schemas.microsoft.com/office/drawing/2014/main" id="{B90494F8-FC97-B390-13DF-8004FD62EC70}"/>
               </a:ext>
             </a:extLst>
           </p:cNvPr>
@@ -1949,7 +1949,7 @@
           <a:bodyPr/>
           <a:lstStyle/>
           <a:p>
-            <a:fld id="{409AEA90-E72A-4DFD-9F60-EED84E1B0367}" type="datetimeFigureOut">
+            <a:fld id="{E056DE6D-DC2F-4561-B7A0-740481BE3D00}" type="datetimeFigureOut">
               <a:rPr lang="zh-CN" altLang="en-US" smtClean="0"/>
               <a:t>2024/3/10</a:t>
             </a:fld>
@@ -1962,7 +1962,7 @@
           <p:cNvPr id="4" name="页脚占位符 3">
             <a:extLst>
               <a:ext uri="{FF2B5EF4-FFF2-40B4-BE49-F238E27FC236}">
-                <a16:creationId xmlns:a16="http://schemas.microsoft.com/office/drawing/2014/main" id="{4492973D-19BC-446B-FEF1-1882B5027D2B}"/>
+                <a16:creationId xmlns:a16="http://schemas.microsoft.com/office/drawing/2014/main" id="{5E9CF5AE-1AEC-834E-DD7E-D8E6146D8D00}"/>
               </a:ext>
             </a:extLst>
           </p:cNvPr>
@@ -1987,7 +1987,7 @@
           <p:cNvPr id="5" name="灯片编号占位符 4">
             <a:extLst>
               <a:ext uri="{FF2B5EF4-FFF2-40B4-BE49-F238E27FC236}">
-                <a16:creationId xmlns:a16="http://schemas.microsoft.com/office/drawing/2014/main" id="{3E265E87-D9F8-A5D9-C217-E0B0255BD15D}"/>
+                <a16:creationId xmlns:a16="http://schemas.microsoft.com/office/drawing/2014/main" id="{88EC281B-68E1-9D56-6E41-6D7C9F929549}"/>
               </a:ext>
             </a:extLst>
           </p:cNvPr>
@@ -2003,7 +2003,7 @@
           <a:bodyPr/>
           <a:lstStyle/>
           <a:p>
-            <a:fld id="{AC2017D4-320F-4A12-A4BB-32973D0E1B24}" type="slidenum">
+            <a:fld id="{AEC1C452-F02D-416A-8B42-4B04E984064F}" type="slidenum">
               <a:rPr lang="zh-CN" altLang="en-US" smtClean="0"/>
               <a:t>‹#›</a:t>
             </a:fld>
@@ -2014,7 +2014,7 @@
     </p:spTree>
     <p:extLst>
       <p:ext uri="{BB962C8B-B14F-4D97-AF65-F5344CB8AC3E}">
-        <p14:creationId xmlns:p14="http://schemas.microsoft.com/office/powerpoint/2010/main" val="1884196475"/>
+        <p14:creationId xmlns:p14="http://schemas.microsoft.com/office/powerpoint/2010/main" val="3550778864"/>
       </p:ext>
     </p:extLst>
   </p:cSld>
@@ -2046,7 +2046,7 @@
           <p:cNvPr id="2" name="日期占位符 1">
             <a:extLst>
               <a:ext uri="{FF2B5EF4-FFF2-40B4-BE49-F238E27FC236}">
-                <a16:creationId xmlns:a16="http://schemas.microsoft.com/office/drawing/2014/main" id="{80B9331E-515A-BD49-0B86-95D16716B26C}"/>
+                <a16:creationId xmlns:a16="http://schemas.microsoft.com/office/drawing/2014/main" id="{01710221-BF57-7EF1-00E8-DE7BD40F807B}"/>
               </a:ext>
             </a:extLst>
           </p:cNvPr>
@@ -2062,7 +2062,7 @@
           <a:bodyPr/>
           <a:lstStyle/>
           <a:p>
-            <a:fld id="{409AEA90-E72A-4DFD-9F60-EED84E1B0367}" type="datetimeFigureOut">
+            <a:fld id="{E056DE6D-DC2F-4561-B7A0-740481BE3D00}" type="datetimeFigureOut">
               <a:rPr lang="zh-CN" altLang="en-US" smtClean="0"/>
               <a:t>2024/3/10</a:t>
             </a:fld>
@@ -2075,7 +2075,7 @@
           <p:cNvPr id="3" name="页脚占位符 2">
             <a:extLst>
               <a:ext uri="{FF2B5EF4-FFF2-40B4-BE49-F238E27FC236}">
-                <a16:creationId xmlns:a16="http://schemas.microsoft.com/office/drawing/2014/main" id="{92521C62-91A1-9AFC-68B5-C6E2E64E937D}"/>
+                <a16:creationId xmlns:a16="http://schemas.microsoft.com/office/drawing/2014/main" id="{A80933D6-7ADB-F14D-205B-6AF6F3771F91}"/>
               </a:ext>
             </a:extLst>
           </p:cNvPr>
@@ -2100,7 +2100,7 @@
           <p:cNvPr id="4" name="灯片编号占位符 3">
             <a:extLst>
               <a:ext uri="{FF2B5EF4-FFF2-40B4-BE49-F238E27FC236}">
-                <a16:creationId xmlns:a16="http://schemas.microsoft.com/office/drawing/2014/main" id="{042D1699-3588-5890-420C-AED2D0CFE7A7}"/>
+                <a16:creationId xmlns:a16="http://schemas.microsoft.com/office/drawing/2014/main" id="{2919A84E-75AE-0509-7C89-133872BA8A09}"/>
               </a:ext>
             </a:extLst>
           </p:cNvPr>
@@ -2116,7 +2116,7 @@
           <a:bodyPr/>
           <a:lstStyle/>
           <a:p>
-            <a:fld id="{AC2017D4-320F-4A12-A4BB-32973D0E1B24}" type="slidenum">
+            <a:fld id="{AEC1C452-F02D-416A-8B42-4B04E984064F}" type="slidenum">
               <a:rPr lang="zh-CN" altLang="en-US" smtClean="0"/>
               <a:t>‹#›</a:t>
             </a:fld>
@@ -2127,7 +2127,7 @@
     </p:spTree>
     <p:extLst>
       <p:ext uri="{BB962C8B-B14F-4D97-AF65-F5344CB8AC3E}">
-        <p14:creationId xmlns:p14="http://schemas.microsoft.com/office/powerpoint/2010/main" val="2892999469"/>
+        <p14:creationId xmlns:p14="http://schemas.microsoft.com/office/powerpoint/2010/main" val="1313274119"/>
       </p:ext>
     </p:extLst>
   </p:cSld>
@@ -2159,7 +2159,7 @@
           <p:cNvPr id="2" name="标题 1">
             <a:extLst>
               <a:ext uri="{FF2B5EF4-FFF2-40B4-BE49-F238E27FC236}">
-                <a16:creationId xmlns:a16="http://schemas.microsoft.com/office/drawing/2014/main" id="{FA42068A-84DC-1E21-A005-C101EE0C7102}"/>
+                <a16:creationId xmlns:a16="http://schemas.microsoft.com/office/drawing/2014/main" id="{27F1728D-9074-4541-9BFE-7BCB9FDCBE8E}"/>
               </a:ext>
             </a:extLst>
           </p:cNvPr>
@@ -2196,7 +2196,7 @@
           <p:cNvPr id="3" name="内容占位符 2">
             <a:extLst>
               <a:ext uri="{FF2B5EF4-FFF2-40B4-BE49-F238E27FC236}">
-                <a16:creationId xmlns:a16="http://schemas.microsoft.com/office/drawing/2014/main" id="{AE1924B6-2C79-5B68-F427-8E36C5711E45}"/>
+                <a16:creationId xmlns:a16="http://schemas.microsoft.com/office/drawing/2014/main" id="{74A23567-1A3A-F61E-1245-8BED22535671}"/>
               </a:ext>
             </a:extLst>
           </p:cNvPr>
@@ -2286,7 +2286,7 @@
           <p:cNvPr id="4" name="文本占位符 3">
             <a:extLst>
               <a:ext uri="{FF2B5EF4-FFF2-40B4-BE49-F238E27FC236}">
-                <a16:creationId xmlns:a16="http://schemas.microsoft.com/office/drawing/2014/main" id="{EA6B399A-0A01-463C-3EF1-EA8288735C4F}"/>
+                <a16:creationId xmlns:a16="http://schemas.microsoft.com/office/drawing/2014/main" id="{856EF432-B100-3E83-4A96-8E6A15C9108C}"/>
               </a:ext>
             </a:extLst>
           </p:cNvPr>
@@ -2357,7 +2357,7 @@
           <p:cNvPr id="5" name="日期占位符 4">
             <a:extLst>
               <a:ext uri="{FF2B5EF4-FFF2-40B4-BE49-F238E27FC236}">
-                <a16:creationId xmlns:a16="http://schemas.microsoft.com/office/drawing/2014/main" id="{B04C7606-A96A-C4CA-B3CD-0E748C401615}"/>
+                <a16:creationId xmlns:a16="http://schemas.microsoft.com/office/drawing/2014/main" id="{8E2F7E9A-952F-00DB-94F4-13AA0FB5063C}"/>
               </a:ext>
             </a:extLst>
           </p:cNvPr>
@@ -2373,7 +2373,7 @@
           <a:bodyPr/>
           <a:lstStyle/>
           <a:p>
-            <a:fld id="{409AEA90-E72A-4DFD-9F60-EED84E1B0367}" type="datetimeFigureOut">
+            <a:fld id="{E056DE6D-DC2F-4561-B7A0-740481BE3D00}" type="datetimeFigureOut">
               <a:rPr lang="zh-CN" altLang="en-US" smtClean="0"/>
               <a:t>2024/3/10</a:t>
             </a:fld>
@@ -2386,7 +2386,7 @@
           <p:cNvPr id="6" name="页脚占位符 5">
             <a:extLst>
               <a:ext uri="{FF2B5EF4-FFF2-40B4-BE49-F238E27FC236}">
-                <a16:creationId xmlns:a16="http://schemas.microsoft.com/office/drawing/2014/main" id="{A646E414-28B6-C80C-CC32-91C63C804BBC}"/>
+                <a16:creationId xmlns:a16="http://schemas.microsoft.com/office/drawing/2014/main" id="{580E9320-127F-695D-2C78-E5E3B29FAD26}"/>
               </a:ext>
             </a:extLst>
           </p:cNvPr>
@@ -2411,7 +2411,7 @@
           <p:cNvPr id="7" name="灯片编号占位符 6">
             <a:extLst>
               <a:ext uri="{FF2B5EF4-FFF2-40B4-BE49-F238E27FC236}">
-                <a16:creationId xmlns:a16="http://schemas.microsoft.com/office/drawing/2014/main" id="{233C70E9-B7E2-113F-4075-DA53844B332D}"/>
+                <a16:creationId xmlns:a16="http://schemas.microsoft.com/office/drawing/2014/main" id="{E02CE7F9-B0E0-3353-9941-D85D33F6ECA5}"/>
               </a:ext>
             </a:extLst>
           </p:cNvPr>
@@ -2427,7 +2427,7 @@
           <a:bodyPr/>
           <a:lstStyle/>
           <a:p>
-            <a:fld id="{AC2017D4-320F-4A12-A4BB-32973D0E1B24}" type="slidenum">
+            <a:fld id="{AEC1C452-F02D-416A-8B42-4B04E984064F}" type="slidenum">
               <a:rPr lang="zh-CN" altLang="en-US" smtClean="0"/>
               <a:t>‹#›</a:t>
             </a:fld>
@@ -2438,7 +2438,7 @@
     </p:spTree>
     <p:extLst>
       <p:ext uri="{BB962C8B-B14F-4D97-AF65-F5344CB8AC3E}">
-        <p14:creationId xmlns:p14="http://schemas.microsoft.com/office/powerpoint/2010/main" val="115730805"/>
+        <p14:creationId xmlns:p14="http://schemas.microsoft.com/office/powerpoint/2010/main" val="1817377281"/>
       </p:ext>
     </p:extLst>
   </p:cSld>
@@ -2470,7 +2470,7 @@
           <p:cNvPr id="2" name="标题 1">
             <a:extLst>
               <a:ext uri="{FF2B5EF4-FFF2-40B4-BE49-F238E27FC236}">
-                <a16:creationId xmlns:a16="http://schemas.microsoft.com/office/drawing/2014/main" id="{67185DB1-8E4B-3F97-F7FB-12059D81CB48}"/>
+                <a16:creationId xmlns:a16="http://schemas.microsoft.com/office/drawing/2014/main" id="{AC586807-222B-CE60-2958-B7EFB83E871A}"/>
               </a:ext>
             </a:extLst>
           </p:cNvPr>
@@ -2507,7 +2507,7 @@
           <p:cNvPr id="3" name="图片占位符 2">
             <a:extLst>
               <a:ext uri="{FF2B5EF4-FFF2-40B4-BE49-F238E27FC236}">
-                <a16:creationId xmlns:a16="http://schemas.microsoft.com/office/drawing/2014/main" id="{B6D53769-CF80-20DB-2BF1-644FF4AE4DC6}"/>
+                <a16:creationId xmlns:a16="http://schemas.microsoft.com/office/drawing/2014/main" id="{CDF9F60C-93F6-BD44-2BAA-90AFC9AB2779}"/>
               </a:ext>
             </a:extLst>
           </p:cNvPr>
@@ -2574,7 +2574,7 @@
           <p:cNvPr id="4" name="文本占位符 3">
             <a:extLst>
               <a:ext uri="{FF2B5EF4-FFF2-40B4-BE49-F238E27FC236}">
-                <a16:creationId xmlns:a16="http://schemas.microsoft.com/office/drawing/2014/main" id="{B4EA2E2A-36FA-9D09-23F0-1E4B050B8D20}"/>
+                <a16:creationId xmlns:a16="http://schemas.microsoft.com/office/drawing/2014/main" id="{2633F5DB-90F4-1DFD-8070-3369896150C6}"/>
               </a:ext>
             </a:extLst>
           </p:cNvPr>
@@ -2645,7 +2645,7 @@
           <p:cNvPr id="5" name="日期占位符 4">
             <a:extLst>
               <a:ext uri="{FF2B5EF4-FFF2-40B4-BE49-F238E27FC236}">
-                <a16:creationId xmlns:a16="http://schemas.microsoft.com/office/drawing/2014/main" id="{453E6F0C-E3E5-1DB0-515A-A52748579819}"/>
+                <a16:creationId xmlns:a16="http://schemas.microsoft.com/office/drawing/2014/main" id="{E20D49F8-B9B4-96C7-B4C2-A905EB3904EE}"/>
               </a:ext>
             </a:extLst>
           </p:cNvPr>
@@ -2661,7 +2661,7 @@
           <a:bodyPr/>
           <a:lstStyle/>
           <a:p>
-            <a:fld id="{409AEA90-E72A-4DFD-9F60-EED84E1B0367}" type="datetimeFigureOut">
+            <a:fld id="{E056DE6D-DC2F-4561-B7A0-740481BE3D00}" type="datetimeFigureOut">
               <a:rPr lang="zh-CN" altLang="en-US" smtClean="0"/>
               <a:t>2024/3/10</a:t>
             </a:fld>
@@ -2674,7 +2674,7 @@
           <p:cNvPr id="6" name="页脚占位符 5">
             <a:extLst>
               <a:ext uri="{FF2B5EF4-FFF2-40B4-BE49-F238E27FC236}">
-                <a16:creationId xmlns:a16="http://schemas.microsoft.com/office/drawing/2014/main" id="{85278696-AC61-3AFE-AE60-E4FC34933E64}"/>
+                <a16:creationId xmlns:a16="http://schemas.microsoft.com/office/drawing/2014/main" id="{50AFAC6D-6573-4879-B19C-624F84A5882B}"/>
               </a:ext>
             </a:extLst>
           </p:cNvPr>
@@ -2699,7 +2699,7 @@
           <p:cNvPr id="7" name="灯片编号占位符 6">
             <a:extLst>
               <a:ext uri="{FF2B5EF4-FFF2-40B4-BE49-F238E27FC236}">
-                <a16:creationId xmlns:a16="http://schemas.microsoft.com/office/drawing/2014/main" id="{57A2A4EF-A7C9-AE33-1460-93C9FA72A1E2}"/>
+                <a16:creationId xmlns:a16="http://schemas.microsoft.com/office/drawing/2014/main" id="{210A2849-757C-CC86-9DED-8073CDAFCFA3}"/>
               </a:ext>
             </a:extLst>
           </p:cNvPr>
@@ -2715,7 +2715,7 @@
           <a:bodyPr/>
           <a:lstStyle/>
           <a:p>
-            <a:fld id="{AC2017D4-320F-4A12-A4BB-32973D0E1B24}" type="slidenum">
+            <a:fld id="{AEC1C452-F02D-416A-8B42-4B04E984064F}" type="slidenum">
               <a:rPr lang="zh-CN" altLang="en-US" smtClean="0"/>
               <a:t>‹#›</a:t>
             </a:fld>
@@ -2726,7 +2726,7 @@
     </p:spTree>
     <p:extLst>
       <p:ext uri="{BB962C8B-B14F-4D97-AF65-F5344CB8AC3E}">
-        <p14:creationId xmlns:p14="http://schemas.microsoft.com/office/powerpoint/2010/main" val="3740791200"/>
+        <p14:creationId xmlns:p14="http://schemas.microsoft.com/office/powerpoint/2010/main" val="1374784163"/>
       </p:ext>
     </p:extLst>
   </p:cSld>
@@ -2763,7 +2763,7 @@
           <p:cNvPr id="2" name="标题占位符 1">
             <a:extLst>
               <a:ext uri="{FF2B5EF4-FFF2-40B4-BE49-F238E27FC236}">
-                <a16:creationId xmlns:a16="http://schemas.microsoft.com/office/drawing/2014/main" id="{CCF9F436-270E-11B8-C505-3438FDD8BF0A}"/>
+                <a16:creationId xmlns:a16="http://schemas.microsoft.com/office/drawing/2014/main" id="{D80EE12C-37DA-81BB-47E6-E41697A95921}"/>
               </a:ext>
             </a:extLst>
           </p:cNvPr>
@@ -2801,7 +2801,7 @@
           <p:cNvPr id="3" name="文本占位符 2">
             <a:extLst>
               <a:ext uri="{FF2B5EF4-FFF2-40B4-BE49-F238E27FC236}">
-                <a16:creationId xmlns:a16="http://schemas.microsoft.com/office/drawing/2014/main" id="{2764C081-73BF-D345-AAB5-C937B8DCD714}"/>
+                <a16:creationId xmlns:a16="http://schemas.microsoft.com/office/drawing/2014/main" id="{6E5C1C59-88E2-573A-150F-959A759F8B16}"/>
               </a:ext>
             </a:extLst>
           </p:cNvPr>
@@ -2868,7 +2868,7 @@
           <p:cNvPr id="4" name="日期占位符 3">
             <a:extLst>
               <a:ext uri="{FF2B5EF4-FFF2-40B4-BE49-F238E27FC236}">
-                <a16:creationId xmlns:a16="http://schemas.microsoft.com/office/drawing/2014/main" id="{885C9DE5-26C5-6081-5E04-FD982ADB3E5D}"/>
+                <a16:creationId xmlns:a16="http://schemas.microsoft.com/office/drawing/2014/main" id="{5957D2C6-134C-0EF2-D524-C9A74D1379B3}"/>
               </a:ext>
             </a:extLst>
           </p:cNvPr>
@@ -2902,7 +2902,7 @@
             </a:lvl1pPr>
           </a:lstStyle>
           <a:p>
-            <a:fld id="{409AEA90-E72A-4DFD-9F60-EED84E1B0367}" type="datetimeFigureOut">
+            <a:fld id="{E056DE6D-DC2F-4561-B7A0-740481BE3D00}" type="datetimeFigureOut">
               <a:rPr lang="zh-CN" altLang="en-US" smtClean="0"/>
               <a:t>2024/3/10</a:t>
             </a:fld>
@@ -2915,7 +2915,7 @@
           <p:cNvPr id="5" name="页脚占位符 4">
             <a:extLst>
               <a:ext uri="{FF2B5EF4-FFF2-40B4-BE49-F238E27FC236}">
-                <a16:creationId xmlns:a16="http://schemas.microsoft.com/office/drawing/2014/main" id="{F0C94F51-0035-A273-A56F-EE3EA2678CCF}"/>
+                <a16:creationId xmlns:a16="http://schemas.microsoft.com/office/drawing/2014/main" id="{37E98DED-E2C7-39D6-B89D-896198182C45}"/>
               </a:ext>
             </a:extLst>
           </p:cNvPr>
@@ -2958,7 +2958,7 @@
           <p:cNvPr id="6" name="灯片编号占位符 5">
             <a:extLst>
               <a:ext uri="{FF2B5EF4-FFF2-40B4-BE49-F238E27FC236}">
-                <a16:creationId xmlns:a16="http://schemas.microsoft.com/office/drawing/2014/main" id="{801EBF02-C68C-FA7E-315E-2F77ADF7B06D}"/>
+                <a16:creationId xmlns:a16="http://schemas.microsoft.com/office/drawing/2014/main" id="{3D024BAD-4207-F914-5387-B74842B9C2B9}"/>
               </a:ext>
             </a:extLst>
           </p:cNvPr>
@@ -2992,7 +2992,7 @@
             </a:lvl1pPr>
           </a:lstStyle>
           <a:p>
-            <a:fld id="{AC2017D4-320F-4A12-A4BB-32973D0E1B24}" type="slidenum">
+            <a:fld id="{AEC1C452-F02D-416A-8B42-4B04E984064F}" type="slidenum">
               <a:rPr lang="zh-CN" altLang="en-US" smtClean="0"/>
               <a:t>‹#›</a:t>
             </a:fld>
@@ -3003,7 +3003,7 @@
     </p:spTree>
     <p:extLst>
       <p:ext uri="{BB962C8B-B14F-4D97-AF65-F5344CB8AC3E}">
-        <p14:creationId xmlns:p14="http://schemas.microsoft.com/office/powerpoint/2010/main" val="1352858740"/>
+        <p14:creationId xmlns:p14="http://schemas.microsoft.com/office/powerpoint/2010/main" val="2877239321"/>
       </p:ext>
     </p:extLst>
   </p:cSld>
@@ -3323,7 +3323,7 @@
       </p:grpSpPr>
       <p:pic>
         <p:nvPicPr>
-          <p:cNvPr id="514050" name="Picture 2" descr="501"/>
+          <p:cNvPr id="515074" name="Picture 2" descr="502"/>
           <p:cNvPicPr>
             <a:picLocks noChangeAspect="1" noChangeArrowheads="1"/>
           </p:cNvPicPr>
